--- a/cmsc125/ostep/slides/01.Virtualization/22.Swapping_Policies.pptx
+++ b/cmsc125/ostep/slides/01.Virtualization/22.Swapping_Policies.pptx
@@ -657,7 +657,7 @@
           <a:p>
             <a:fld id="{050F0499-AE52-4672-879B-3107B2FC2A9F}" type="datetimeFigureOut">
               <a:rPr lang="ko-KR" altLang="en-US" smtClean="0"/>
-              <a:t>2021-07-21</a:t>
+              <a:t>2021-11-10</a:t>
             </a:fld>
             <a:endParaRPr lang="ko-KR" altLang="en-US"/>
           </a:p>
@@ -2067,15 +2067,7 @@
           <a:p>
             <a:r>
               <a:rPr lang="en-US" altLang="ko-KR" dirty="0"/>
-              <a:t>Tracing the </a:t>
-            </a:r>
-            <a:r>
-              <a:rPr lang="en-US" altLang="ko-KR" dirty="0" err="1"/>
-              <a:t>FIFIO</a:t>
-            </a:r>
-            <a:r>
-              <a:rPr lang="en-US" altLang="ko-KR" dirty="0"/>
-              <a:t> Policy</a:t>
+              <a:t>Tracing the FIFO Policy</a:t>
             </a:r>
             <a:endParaRPr lang="ko-KR" altLang="en-US" dirty="0"/>
           </a:p>
@@ -2899,7 +2891,13 @@
           <p:cNvGraphicFramePr>
             <a:graphicFrameLocks noGrp="1"/>
           </p:cNvGraphicFramePr>
-          <p:nvPr/>
+          <p:nvPr>
+            <p:extLst>
+              <p:ext uri="{D42A27DB-BD31-4B8C-83A1-F6EECF244321}">
+                <p14:modId xmlns:p14="http://schemas.microsoft.com/office/powerpoint/2010/main" val="2243047661"/>
+              </p:ext>
+            </p:extLst>
+          </p:nvPr>
         </p:nvGraphicFramePr>
         <p:xfrm>
           <a:off x="3490711" y="2018789"/>
@@ -5231,6 +5229,13 @@
                     <a:lstStyle/>
                     <a:p>
                       <a:pPr latinLnBrk="1"/>
+                      <a:r>
+                        <a:rPr lang="en-US" altLang="ko-KR" sz="1400" dirty="0">
+                          <a:latin typeface="맑은 고딕" pitchFamily="50" charset="-127"/>
+                          <a:ea typeface="맑은 고딕" pitchFamily="50" charset="-127"/>
+                        </a:rPr>
+                        <a:t>2</a:t>
+                      </a:r>
                       <a:endParaRPr lang="ko-KR" altLang="en-US" sz="1400" dirty="0">
                         <a:latin typeface="맑은 고딕" pitchFamily="50" charset="-127"/>
                         <a:ea typeface="맑은 고딕" pitchFamily="50" charset="-127"/>
@@ -6216,7 +6221,7 @@
             </a:r>
             <a:r>
               <a:rPr lang="en-US" altLang="ko-KR" dirty="0"/>
-              <a:t> when the cache gets larger. But in this case, with FIFO, it gets worse.</a:t>
+              <a:t> when the cache gets larger. But in this case, with FIFO, it gets worse</a:t>
             </a:r>
           </a:p>
           <a:p>
@@ -7190,14 +7195,14 @@
           <a:p>
             <a:r>
               <a:rPr lang="en-US" altLang="ko-KR" dirty="0"/>
-              <a:t>Picks a random page to replace under memory pressure.</a:t>
+              <a:t>Picks a random page to replace under memory pressure</a:t>
             </a:r>
           </a:p>
           <a:p>
             <a:pPr lvl="1"/>
             <a:r>
               <a:rPr lang="en-US" altLang="ko-KR" dirty="0"/>
-              <a:t>It doesn’t really try to be too intelligent in picking which blocks to evict.</a:t>
+              <a:t>It doesn’t really try to be too intelligent in picking which blocks to evict</a:t>
             </a:r>
           </a:p>
           <a:p>
@@ -7212,7 +7217,7 @@
             </a:r>
             <a:r>
               <a:rPr lang="en-US" altLang="ko-KR" dirty="0"/>
-              <a:t> gets in its choice.</a:t>
+              <a:t> gets in its choice</a:t>
             </a:r>
             <a:endParaRPr lang="ko-KR" altLang="en-US" dirty="0"/>
           </a:p>
@@ -10235,7 +10240,7 @@
             </a:r>
             <a:r>
               <a:rPr lang="en-US" altLang="ko-KR" dirty="0"/>
-              <a:t>, achieving 6 hits on the example trace.</a:t>
+              <a:t>, achieving 6 hits on the example trace</a:t>
             </a:r>
             <a:endParaRPr lang="ko-KR" altLang="en-US" dirty="0"/>
           </a:p>
@@ -10376,16 +10381,13 @@
               <a:rPr lang="en-US" altLang="ko-KR" b="1" u="sng" dirty="0"/>
               <a:t>history</a:t>
             </a:r>
-            <a:r>
-              <a:rPr lang="en-US" altLang="ko-KR" dirty="0"/>
-              <a:t>.</a:t>
-            </a:r>
+            <a:endParaRPr lang="en-US" altLang="ko-KR" dirty="0"/>
           </a:p>
           <a:p>
             <a:pPr lvl="1"/>
             <a:r>
               <a:rPr lang="en-US" altLang="ko-KR" dirty="0"/>
-              <a:t>Two type of historical information.</a:t>
+              <a:t>Two type of historical information</a:t>
             </a:r>
           </a:p>
           <a:p>
@@ -10423,7 +10425,13 @@
           <p:cNvGraphicFramePr>
             <a:graphicFrameLocks noGrp="1"/>
           </p:cNvGraphicFramePr>
-          <p:nvPr/>
+          <p:nvPr>
+            <p:extLst>
+              <p:ext uri="{D42A27DB-BD31-4B8C-83A1-F6EECF244321}">
+                <p14:modId xmlns:p14="http://schemas.microsoft.com/office/powerpoint/2010/main" val="3376491824"/>
+              </p:ext>
+            </p:extLst>
+          </p:nvPr>
         </p:nvGraphicFramePr>
         <p:xfrm>
           <a:off x="2063552" y="2132856"/>
@@ -10995,27 +11003,7 @@
                           <a:latin typeface="맑은 고딕" pitchFamily="50" charset="-127"/>
                           <a:ea typeface="맑은 고딕" pitchFamily="50" charset="-127"/>
                         </a:rPr>
-                        <a:t> a page has been accessed many times, It should not be </a:t>
-                      </a:r>
-                      <a:r>
-                        <a:rPr lang="en-US" altLang="ko-KR" sz="1200" b="0" baseline="0" dirty="0" err="1">
-                          <a:solidFill>
-                            <a:schemeClr val="tx1"/>
-                          </a:solidFill>
-                          <a:latin typeface="맑은 고딕" pitchFamily="50" charset="-127"/>
-                          <a:ea typeface="맑은 고딕" pitchFamily="50" charset="-127"/>
-                        </a:rPr>
-                        <a:t>replcaed</a:t>
-                      </a:r>
-                      <a:r>
-                        <a:rPr lang="en-US" altLang="ko-KR" sz="1200" b="0" baseline="0" dirty="0">
-                          <a:solidFill>
-                            <a:schemeClr val="tx1"/>
-                          </a:solidFill>
-                          <a:latin typeface="맑은 고딕" pitchFamily="50" charset="-127"/>
-                          <a:ea typeface="맑은 고딕" pitchFamily="50" charset="-127"/>
-                        </a:rPr>
-                        <a:t> as it clearly has some value</a:t>
+                        <a:t> a page has been accessed many times, It should not be replaced as it clearly has some value</a:t>
                       </a:r>
                       <a:endParaRPr lang="ko-KR" altLang="en-US" sz="1200" b="0" dirty="0">
                         <a:solidFill>
@@ -11222,7 +11210,7 @@
           <a:p>
             <a:r>
               <a:rPr lang="en-US" altLang="ko-KR" dirty="0"/>
-              <a:t>Replaces the least-recently-used page. </a:t>
+              <a:t>Replaces the least-recently-used page</a:t>
             </a:r>
             <a:endParaRPr lang="ko-KR" altLang="en-US" dirty="0"/>
           </a:p>
@@ -15125,7 +15113,7 @@
             <a:pPr lvl="1"/>
             <a:r>
               <a:rPr lang="en-US" altLang="ko-KR" dirty="0"/>
-              <a:t>Workload accesses 100 unique pages over time.</a:t>
+              <a:t>Workload accesses 100 unique pages over time</a:t>
             </a:r>
           </a:p>
           <a:p>
@@ -19004,14 +18992,14 @@
           <a:p>
             <a:r>
               <a:rPr lang="en-US" altLang="ko-KR" dirty="0"/>
-              <a:t>Refer to 50 pages in sequence.</a:t>
+              <a:t>Refer to 50 pages in sequence</a:t>
             </a:r>
           </a:p>
           <a:p>
             <a:pPr lvl="1"/>
             <a:r>
               <a:rPr lang="en-US" altLang="ko-KR" dirty="0"/>
-              <a:t>Starting at 0, then 1, … up to page 49, and then we Loop, repeating those accesses, for total of 10,000 accesses to 50 unique pages.</a:t>
+              <a:t>Starting at 0, then 1, … up to page 49, and then we Loop, repeating those accesses, for total of 10,000 accesses to 50 unique pages</a:t>
             </a:r>
           </a:p>
         </p:txBody>
@@ -20914,7 +20902,7 @@
             </a:r>
             <a:r>
               <a:rPr lang="en-US" altLang="ko-KR" b="1" u="sng" dirty="0"/>
-              <a:t>every memory reference.</a:t>
+              <a:t>every memory reference</a:t>
             </a:r>
           </a:p>
           <a:p>
@@ -20929,7 +20917,7 @@
             </a:r>
             <a:r>
               <a:rPr lang="en-US" altLang="ko-KR" dirty="0"/>
-              <a:t>of hardware support.</a:t>
+              <a:t>of hardware support</a:t>
             </a:r>
           </a:p>
           <a:p>
@@ -21213,7 +21201,7 @@
             </a:r>
             <a:r>
               <a:rPr lang="en-US" altLang="ko-KR" dirty="0"/>
-              <a:t>, the use bit is set by hardware to 1.</a:t>
+              <a:t>, the use bit is set by hardware to 1</a:t>
             </a:r>
           </a:p>
           <a:p>
@@ -21248,14 +21236,14 @@
             <a:pPr lvl="1"/>
             <a:r>
               <a:rPr lang="en-US" altLang="ko-KR" dirty="0"/>
-              <a:t>All pages of the system arranges in a circular list.</a:t>
+              <a:t>All pages of the system arranged in a circular list</a:t>
             </a:r>
           </a:p>
           <a:p>
             <a:pPr lvl="1"/>
             <a:r>
               <a:rPr lang="en-US" altLang="ko-KR" dirty="0"/>
-              <a:t>A clock hand points to some particular page to begin with.</a:t>
+              <a:t>A clock hand points to some particular page to begin with</a:t>
             </a:r>
             <a:endParaRPr lang="ko-KR" altLang="en-US" dirty="0"/>
           </a:p>
@@ -21334,7 +21322,7 @@
           <a:p>
             <a:r>
               <a:rPr lang="en-US" altLang="ko-KR" dirty="0"/>
-              <a:t>The algorithm continues until it finds a use bit that is set to 0.</a:t>
+              <a:t>The algorithm continues until it finds a use bit that is set to 0</a:t>
             </a:r>
             <a:endParaRPr lang="ko-KR" altLang="en-US" dirty="0"/>
           </a:p>
@@ -22918,7 +22906,7 @@
           <a:p>
             <a:r>
               <a:rPr lang="en-US" altLang="ko-KR" dirty="0"/>
-              <a:t>Clock algorithm doesn’t do as well as perfect LRU, it does better then approach that don’t consider history at all.</a:t>
+              <a:t>Clock algorithm doesn’t do as well as perfect LRU, it does better than approach that don’t consider history at all</a:t>
             </a:r>
             <a:endParaRPr lang="ko-KR" altLang="en-US" dirty="0"/>
           </a:p>
@@ -24994,14 +24982,14 @@
             </a:r>
             <a:r>
               <a:rPr lang="en-US" altLang="ko-KR" dirty="0"/>
-              <a:t>, it must be written back to disk to evict it.</a:t>
+              <a:t>, it must be written back to disk to evict it</a:t>
             </a:r>
           </a:p>
           <a:p>
             <a:pPr lvl="1"/>
             <a:r>
               <a:rPr lang="en-US" altLang="ko-KR" dirty="0"/>
-              <a:t>Page has not been modified, the eviction is free.</a:t>
+              <a:t>Page has not been modified, do not evict</a:t>
             </a:r>
           </a:p>
           <a:p>
@@ -25086,7 +25074,7 @@
           <a:p>
             <a:r>
               <a:rPr lang="en-US" altLang="ko-KR" dirty="0"/>
-              <a:t>The OS has to decide when to bring a page into memory.</a:t>
+              <a:t>The OS has to decide when to bring a page into memory</a:t>
             </a:r>
           </a:p>
           <a:p>
@@ -25102,10 +25090,7 @@
               </a:rPr>
               <a:t>different options</a:t>
             </a:r>
-            <a:r>
-              <a:rPr lang="en-US" altLang="ko-KR" dirty="0"/>
-              <a:t>.</a:t>
-            </a:r>
+            <a:endParaRPr lang="en-US" altLang="ko-KR" dirty="0"/>
           </a:p>
         </p:txBody>
       </p:sp>
@@ -25182,7 +25167,7 @@
           <a:p>
             <a:r>
               <a:rPr lang="en-US" altLang="ko-KR" dirty="0"/>
-              <a:t>The OS guess that a page is about to be used, and thus bring it in ahead of time.</a:t>
+              <a:t>The OS guess that a page is about to be used, and thus bring it in ahead of time</a:t>
             </a:r>
           </a:p>
           <a:p>
@@ -26508,10 +26493,7 @@
               </a:rPr>
               <a:t>one write</a:t>
             </a:r>
-            <a:r>
-              <a:rPr lang="en-US" altLang="ko-KR" dirty="0"/>
-              <a:t>.</a:t>
-            </a:r>
+            <a:endParaRPr lang="en-US" altLang="ko-KR" dirty="0"/>
           </a:p>
           <a:p>
             <a:pPr lvl="1"/>
@@ -27953,21 +27935,21 @@
             </a:r>
             <a:r>
               <a:rPr lang="en-US" altLang="ko-KR" dirty="0"/>
-              <a:t> the available physical memory.</a:t>
+              <a:t> the available physical memory</a:t>
             </a:r>
           </a:p>
           <a:p>
             <a:pPr lvl="1"/>
             <a:r>
               <a:rPr lang="en-US" altLang="ko-KR" dirty="0"/>
-              <a:t>Decide not to run a subset of processes.</a:t>
+              <a:t>Decide not to run a subset of processes</a:t>
             </a:r>
           </a:p>
           <a:p>
             <a:pPr lvl="1"/>
             <a:r>
               <a:rPr lang="en-US" altLang="ko-KR" dirty="0"/>
-              <a:t>Reduced set of processes working sets fit in memory.</a:t>
+              <a:t>Reduced set of processes working sets fit in memory</a:t>
             </a:r>
           </a:p>
           <a:p>
@@ -28677,7 +28659,7 @@
             </a:r>
             <a:r>
               <a:rPr lang="en-US" altLang="ko-KR" dirty="0"/>
-              <a:t>pages to make room for actively-used pages.</a:t>
+              <a:t>pages to make room for actively-used pages</a:t>
             </a:r>
           </a:p>
           <a:p>
@@ -28691,7 +28673,7 @@
             </a:r>
             <a:r>
               <a:rPr lang="en-US" altLang="ko-KR" dirty="0"/>
-              <a:t> is encapsulated within the replacement policy of the OS.</a:t>
+              <a:t> is encapsulated within the replacement policy of the OS</a:t>
             </a:r>
             <a:endParaRPr lang="ko-KR" altLang="en-US" dirty="0"/>
           </a:p>
@@ -28770,7 +28752,15 @@
           <a:p>
             <a:r>
               <a:rPr lang="en-US" altLang="ko-KR" dirty="0"/>
-              <a:t>Goal in picking a replacement policy for this cache is to minimize the number of cache misses.</a:t>
+              <a:t>Goal in picking a replacement policy for this cache is to </a:t>
+            </a:r>
+            <a:r>
+              <a:rPr lang="en-US" altLang="ko-KR" dirty="0">
+                <a:solidFill>
+                  <a:schemeClr val="accent4"/>
+                </a:solidFill>
+              </a:rPr>
+              <a:t>minimize the number of cache misses</a:t>
             </a:r>
           </a:p>
           <a:p>
@@ -28779,21 +28769,18 @@
               <a:t>The number of cache hits and misses let us calculate the </a:t>
             </a:r>
             <a:r>
-              <a:rPr lang="en-US" altLang="ko-KR" i="1" dirty="0"/>
-              <a:t>average memory access time(</a:t>
+              <a:rPr lang="en-US" altLang="ko-KR" i="1" dirty="0">
+                <a:solidFill>
+                  <a:schemeClr val="accent6"/>
+                </a:solidFill>
+              </a:rPr>
+              <a:t>average memory access time(AMAT)</a:t>
             </a:r>
-            <a:r>
-              <a:rPr lang="en-US" altLang="ko-KR" i="1" dirty="0" err="1"/>
-              <a:t>AMAT</a:t>
-            </a:r>
-            <a:r>
-              <a:rPr lang="en-US" altLang="ko-KR" i="1" dirty="0"/>
-              <a:t>)</a:t>
-            </a:r>
-            <a:r>
-              <a:rPr lang="en-US" altLang="ko-KR" dirty="0"/>
-              <a:t>.</a:t>
-            </a:r>
+            <a:endParaRPr lang="en-US" altLang="ko-KR" dirty="0">
+              <a:solidFill>
+                <a:schemeClr val="accent6"/>
+              </a:solidFill>
+            </a:endParaRPr>
           </a:p>
           <a:p>
             <a:endParaRPr lang="ko-KR" altLang="en-US" dirty="0"/>
@@ -35143,7 +35130,7 @@
           <a:p>
             <a:r>
               <a:rPr lang="en-US" altLang="ko-KR" dirty="0"/>
-              <a:t>Pages were placed in a queue when they enter the system.</a:t>
+              <a:t>Pages are placed in a queue when they enter the system</a:t>
             </a:r>
           </a:p>
           <a:p>
@@ -35157,14 +35144,14 @@
             </a:r>
             <a:r>
               <a:rPr lang="en-US" altLang="ko-KR" dirty="0"/>
-              <a:t>” pages) is evicted.</a:t>
+              <a:t>” pages) is evicted</a:t>
             </a:r>
           </a:p>
           <a:p>
             <a:pPr lvl="1"/>
             <a:r>
               <a:rPr lang="en-US" altLang="ko-KR" dirty="0"/>
-              <a:t>It is simple to implement, but can’t determine the importance of blocks.</a:t>
+              <a:t>It is simple to implement, but can’t determine the importance of blocks</a:t>
             </a:r>
           </a:p>
           <a:p>

--- a/cmsc125/ostep/slides/01.Virtualization/22.Swapping_Policies.pptx
+++ b/cmsc125/ostep/slides/01.Virtualization/22.Swapping_Policies.pptx
@@ -28537,15 +28537,7 @@
           <a:p>
             <a:r>
               <a:rPr lang="en-US" altLang="ko-KR" dirty="0"/>
-              <a:t>22. </a:t>
-            </a:r>
-            <a:r>
-              <a:rPr lang="en-US" altLang="ko-KR"/>
-              <a:t>Swaping: </a:t>
-            </a:r>
-            <a:r>
-              <a:rPr lang="en-US" altLang="ko-KR" dirty="0"/>
-              <a:t>Policies</a:t>
+              <a:t>22. Swapping: Policies</a:t>
             </a:r>
           </a:p>
           <a:p>
